--- a/ROI presentation/R O I.pptx
+++ b/ROI presentation/R O I.pptx
@@ -19,6 +19,7 @@
     <p:sldId id="265" r:id="rId13"/>
     <p:sldId id="268" r:id="rId14"/>
     <p:sldId id="266" r:id="rId15"/>
+    <p:sldId id="270" r:id="rId16"/>
   </p:sldIdLst>
   <p:sldSz cx="12192000" cy="6858000"/>
   <p:notesSz cx="6858000" cy="9144000"/>
@@ -175,7 +176,7 @@
           <a:noFill/>
           <a:extLst>
             <a:ext uri="{909E8E84-426E-40dd-AFC4-6F175D3DCCD1}">
-              <a14:hiddenFill xmlns:a14="http://schemas.microsoft.com/office/drawing/2010/main" xmlns="">
+              <a14:hiddenFill xmlns="" xmlns:a14="http://schemas.microsoft.com/office/drawing/2010/main">
                 <a:solidFill>
                   <a:srgbClr val="FFFFFF"/>
                 </a:solidFill>
@@ -235,7 +236,7 @@
             </a:ln>
             <a:extLst>
               <a:ext uri="{91240B29-F687-4f45-9708-019B960494DF}">
-                <a14:hiddenLine xmlns:a14="http://schemas.microsoft.com/office/drawing/2010/main" xmlns="" w="9525">
+                <a14:hiddenLine xmlns="" xmlns:a14="http://schemas.microsoft.com/office/drawing/2010/main" w="9525">
                   <a:solidFill>
                     <a:srgbClr val="000000"/>
                   </a:solidFill>
@@ -325,7 +326,7 @@
             </a:ln>
             <a:extLst>
               <a:ext uri="{91240B29-F687-4f45-9708-019B960494DF}">
-                <a14:hiddenLine xmlns:a14="http://schemas.microsoft.com/office/drawing/2010/main" xmlns="" w="9525">
+                <a14:hiddenLine xmlns="" xmlns:a14="http://schemas.microsoft.com/office/drawing/2010/main" w="9525">
                   <a:solidFill>
                     <a:srgbClr val="000000"/>
                   </a:solidFill>
@@ -415,7 +416,7 @@
             </a:ln>
             <a:extLst>
               <a:ext uri="{91240B29-F687-4f45-9708-019B960494DF}">
-                <a14:hiddenLine xmlns:a14="http://schemas.microsoft.com/office/drawing/2010/main" xmlns="" w="9525">
+                <a14:hiddenLine xmlns="" xmlns:a14="http://schemas.microsoft.com/office/drawing/2010/main" w="9525">
                   <a:solidFill>
                     <a:srgbClr val="000000"/>
                   </a:solidFill>
@@ -449,7 +450,7 @@
             </a:ln>
             <a:extLst>
               <a:ext uri="{91240B29-F687-4f45-9708-019B960494DF}">
-                <a14:hiddenLine xmlns:a14="http://schemas.microsoft.com/office/drawing/2010/main" xmlns="" w="9525">
+                <a14:hiddenLine xmlns="" xmlns:a14="http://schemas.microsoft.com/office/drawing/2010/main" w="9525">
                   <a:solidFill>
                     <a:srgbClr val="000000"/>
                   </a:solidFill>
@@ -539,7 +540,7 @@
             </a:ln>
             <a:extLst>
               <a:ext uri="{91240B29-F687-4f45-9708-019B960494DF}">
-                <a14:hiddenLine xmlns:a14="http://schemas.microsoft.com/office/drawing/2010/main" xmlns="" w="9525">
+                <a14:hiddenLine xmlns="" xmlns:a14="http://schemas.microsoft.com/office/drawing/2010/main" w="9525">
                   <a:solidFill>
                     <a:srgbClr val="000000"/>
                   </a:solidFill>
@@ -601,7 +602,7 @@
             </a:ln>
             <a:extLst>
               <a:ext uri="{91240B29-F687-4f45-9708-019B960494DF}">
-                <a14:hiddenLine xmlns:a14="http://schemas.microsoft.com/office/drawing/2010/main" xmlns="" w="9525">
+                <a14:hiddenLine xmlns="" xmlns:a14="http://schemas.microsoft.com/office/drawing/2010/main" w="9525">
                   <a:solidFill>
                     <a:srgbClr val="000000"/>
                   </a:solidFill>
@@ -663,7 +664,7 @@
             </a:ln>
             <a:extLst>
               <a:ext uri="{91240B29-F687-4f45-9708-019B960494DF}">
-                <a14:hiddenLine xmlns:a14="http://schemas.microsoft.com/office/drawing/2010/main" xmlns="" w="9525">
+                <a14:hiddenLine xmlns="" xmlns:a14="http://schemas.microsoft.com/office/drawing/2010/main" w="9525">
                   <a:solidFill>
                     <a:srgbClr val="000000"/>
                   </a:solidFill>
@@ -753,7 +754,7 @@
             </a:ln>
             <a:extLst>
               <a:ext uri="{91240B29-F687-4f45-9708-019B960494DF}">
-                <a14:hiddenLine xmlns:a14="http://schemas.microsoft.com/office/drawing/2010/main" xmlns="" w="9525">
+                <a14:hiddenLine xmlns="" xmlns:a14="http://schemas.microsoft.com/office/drawing/2010/main" w="9525">
                   <a:solidFill>
                     <a:srgbClr val="000000"/>
                   </a:solidFill>
@@ -815,7 +816,7 @@
             </a:ln>
             <a:extLst>
               <a:ext uri="{91240B29-F687-4f45-9708-019B960494DF}">
-                <a14:hiddenLine xmlns:a14="http://schemas.microsoft.com/office/drawing/2010/main" xmlns="" w="9525">
+                <a14:hiddenLine xmlns="" xmlns:a14="http://schemas.microsoft.com/office/drawing/2010/main" w="9525">
                   <a:solidFill>
                     <a:srgbClr val="000000"/>
                   </a:solidFill>
@@ -877,7 +878,7 @@
             </a:ln>
             <a:extLst>
               <a:ext uri="{91240B29-F687-4f45-9708-019B960494DF}">
-                <a14:hiddenLine xmlns:a14="http://schemas.microsoft.com/office/drawing/2010/main" xmlns="" w="9525">
+                <a14:hiddenLine xmlns="" xmlns:a14="http://schemas.microsoft.com/office/drawing/2010/main" w="9525">
                   <a:solidFill>
                     <a:srgbClr val="000000"/>
                   </a:solidFill>
@@ -967,7 +968,7 @@
             </a:ln>
             <a:extLst>
               <a:ext uri="{91240B29-F687-4f45-9708-019B960494DF}">
-                <a14:hiddenLine xmlns:a14="http://schemas.microsoft.com/office/drawing/2010/main" xmlns="" w="9525">
+                <a14:hiddenLine xmlns="" xmlns:a14="http://schemas.microsoft.com/office/drawing/2010/main" w="9525">
                   <a:solidFill>
                     <a:srgbClr val="000000"/>
                   </a:solidFill>
@@ -1057,7 +1058,7 @@
             </a:ln>
             <a:extLst>
               <a:ext uri="{91240B29-F687-4f45-9708-019B960494DF}">
-                <a14:hiddenLine xmlns:a14="http://schemas.microsoft.com/office/drawing/2010/main" xmlns="" w="9525">
+                <a14:hiddenLine xmlns="" xmlns:a14="http://schemas.microsoft.com/office/drawing/2010/main" w="9525">
                   <a:solidFill>
                     <a:srgbClr val="000000"/>
                   </a:solidFill>
@@ -1119,7 +1120,7 @@
             </a:ln>
             <a:extLst>
               <a:ext uri="{91240B29-F687-4f45-9708-019B960494DF}">
-                <a14:hiddenLine xmlns:a14="http://schemas.microsoft.com/office/drawing/2010/main" xmlns="" w="9525">
+                <a14:hiddenLine xmlns="" xmlns:a14="http://schemas.microsoft.com/office/drawing/2010/main" w="9525">
                   <a:solidFill>
                     <a:srgbClr val="000000"/>
                   </a:solidFill>
@@ -1229,7 +1230,7 @@
             </a:ln>
             <a:extLst>
               <a:ext uri="{91240B29-F687-4f45-9708-019B960494DF}">
-                <a14:hiddenLine xmlns:a14="http://schemas.microsoft.com/office/drawing/2010/main" xmlns="" w="9525">
+                <a14:hiddenLine xmlns="" xmlns:a14="http://schemas.microsoft.com/office/drawing/2010/main" w="9525">
                   <a:solidFill>
                     <a:srgbClr val="000000"/>
                   </a:solidFill>
@@ -1291,7 +1292,7 @@
             </a:ln>
             <a:extLst>
               <a:ext uri="{91240B29-F687-4f45-9708-019B960494DF}">
-                <a14:hiddenLine xmlns:a14="http://schemas.microsoft.com/office/drawing/2010/main" xmlns="" w="9525">
+                <a14:hiddenLine xmlns="" xmlns:a14="http://schemas.microsoft.com/office/drawing/2010/main" w="9525">
                   <a:solidFill>
                     <a:srgbClr val="000000"/>
                   </a:solidFill>
@@ -1381,7 +1382,7 @@
             </a:ln>
             <a:extLst>
               <a:ext uri="{91240B29-F687-4f45-9708-019B960494DF}">
-                <a14:hiddenLine xmlns:a14="http://schemas.microsoft.com/office/drawing/2010/main" xmlns="" w="9525">
+                <a14:hiddenLine xmlns="" xmlns:a14="http://schemas.microsoft.com/office/drawing/2010/main" w="9525">
                   <a:solidFill>
                     <a:srgbClr val="000000"/>
                   </a:solidFill>
@@ -1471,7 +1472,7 @@
             </a:ln>
             <a:extLst>
               <a:ext uri="{91240B29-F687-4f45-9708-019B960494DF}">
-                <a14:hiddenLine xmlns:a14="http://schemas.microsoft.com/office/drawing/2010/main" xmlns="" w="9525">
+                <a14:hiddenLine xmlns="" xmlns:a14="http://schemas.microsoft.com/office/drawing/2010/main" w="9525">
                   <a:solidFill>
                     <a:srgbClr val="000000"/>
                   </a:solidFill>
@@ -1533,7 +1534,7 @@
             </a:ln>
             <a:extLst>
               <a:ext uri="{91240B29-F687-4f45-9708-019B960494DF}">
-                <a14:hiddenLine xmlns:a14="http://schemas.microsoft.com/office/drawing/2010/main" xmlns="" w="9525">
+                <a14:hiddenLine xmlns="" xmlns:a14="http://schemas.microsoft.com/office/drawing/2010/main" w="9525">
                   <a:solidFill>
                     <a:srgbClr val="000000"/>
                   </a:solidFill>
@@ -1623,7 +1624,7 @@
             </a:ln>
             <a:extLst>
               <a:ext uri="{91240B29-F687-4f45-9708-019B960494DF}">
-                <a14:hiddenLine xmlns:a14="http://schemas.microsoft.com/office/drawing/2010/main" xmlns="" w="9525">
+                <a14:hiddenLine xmlns="" xmlns:a14="http://schemas.microsoft.com/office/drawing/2010/main" w="9525">
                   <a:solidFill>
                     <a:srgbClr val="000000"/>
                   </a:solidFill>
@@ -1713,7 +1714,7 @@
             </a:ln>
             <a:extLst>
               <a:ext uri="{91240B29-F687-4f45-9708-019B960494DF}">
-                <a14:hiddenLine xmlns:a14="http://schemas.microsoft.com/office/drawing/2010/main" xmlns="" w="9525">
+                <a14:hiddenLine xmlns="" xmlns:a14="http://schemas.microsoft.com/office/drawing/2010/main" w="9525">
                   <a:solidFill>
                     <a:srgbClr val="000000"/>
                   </a:solidFill>
@@ -1769,7 +1770,7 @@
             </a:ln>
             <a:extLst>
               <a:ext uri="{91240B29-F687-4f45-9708-019B960494DF}">
-                <a14:hiddenLine xmlns:a14="http://schemas.microsoft.com/office/drawing/2010/main" xmlns="" w="9525">
+                <a14:hiddenLine xmlns="" xmlns:a14="http://schemas.microsoft.com/office/drawing/2010/main" w="9525">
                   <a:solidFill>
                     <a:srgbClr val="000000"/>
                   </a:solidFill>
@@ -1859,7 +1860,7 @@
             </a:ln>
             <a:extLst>
               <a:ext uri="{91240B29-F687-4f45-9708-019B960494DF}">
-                <a14:hiddenLine xmlns:a14="http://schemas.microsoft.com/office/drawing/2010/main" xmlns="" w="9525">
+                <a14:hiddenLine xmlns="" xmlns:a14="http://schemas.microsoft.com/office/drawing/2010/main" w="9525">
                   <a:solidFill>
                     <a:srgbClr val="000000"/>
                   </a:solidFill>
@@ -1915,7 +1916,7 @@
             </a:ln>
             <a:extLst>
               <a:ext uri="{91240B29-F687-4f45-9708-019B960494DF}">
-                <a14:hiddenLine xmlns:a14="http://schemas.microsoft.com/office/drawing/2010/main" xmlns="" w="9525">
+                <a14:hiddenLine xmlns="" xmlns:a14="http://schemas.microsoft.com/office/drawing/2010/main" w="9525">
                   <a:solidFill>
                     <a:srgbClr val="000000"/>
                   </a:solidFill>
@@ -2005,7 +2006,7 @@
             </a:ln>
             <a:extLst>
               <a:ext uri="{91240B29-F687-4f45-9708-019B960494DF}">
-                <a14:hiddenLine xmlns:a14="http://schemas.microsoft.com/office/drawing/2010/main" xmlns="" w="9525">
+                <a14:hiddenLine xmlns="" xmlns:a14="http://schemas.microsoft.com/office/drawing/2010/main" w="9525">
                   <a:solidFill>
                     <a:srgbClr val="000000"/>
                   </a:solidFill>
@@ -2073,7 +2074,7 @@
             </a:ln>
             <a:extLst>
               <a:ext uri="{91240B29-F687-4f45-9708-019B960494DF}">
-                <a14:hiddenLine xmlns:a14="http://schemas.microsoft.com/office/drawing/2010/main" xmlns="" w="9525">
+                <a14:hiddenLine xmlns="" xmlns:a14="http://schemas.microsoft.com/office/drawing/2010/main" w="9525">
                   <a:solidFill>
                     <a:srgbClr val="000000"/>
                   </a:solidFill>
@@ -2163,7 +2164,7 @@
             </a:ln>
             <a:extLst>
               <a:ext uri="{91240B29-F687-4f45-9708-019B960494DF}">
-                <a14:hiddenLine xmlns:a14="http://schemas.microsoft.com/office/drawing/2010/main" xmlns="" w="9525">
+                <a14:hiddenLine xmlns="" xmlns:a14="http://schemas.microsoft.com/office/drawing/2010/main" w="9525">
                   <a:solidFill>
                     <a:srgbClr val="000000"/>
                   </a:solidFill>
@@ -2231,7 +2232,7 @@
             </a:ln>
             <a:extLst>
               <a:ext uri="{91240B29-F687-4f45-9708-019B960494DF}">
-                <a14:hiddenLine xmlns:a14="http://schemas.microsoft.com/office/drawing/2010/main" xmlns="" w="9525">
+                <a14:hiddenLine xmlns="" xmlns:a14="http://schemas.microsoft.com/office/drawing/2010/main" w="9525">
                   <a:solidFill>
                     <a:srgbClr val="000000"/>
                   </a:solidFill>
@@ -2321,7 +2322,7 @@
             </a:ln>
             <a:extLst>
               <a:ext uri="{91240B29-F687-4f45-9708-019B960494DF}">
-                <a14:hiddenLine xmlns:a14="http://schemas.microsoft.com/office/drawing/2010/main" xmlns="" w="9525">
+                <a14:hiddenLine xmlns="" xmlns:a14="http://schemas.microsoft.com/office/drawing/2010/main" w="9525">
                   <a:solidFill>
                     <a:srgbClr val="000000"/>
                   </a:solidFill>
@@ -2355,7 +2356,7 @@
             </a:ln>
             <a:extLst>
               <a:ext uri="{91240B29-F687-4f45-9708-019B960494DF}">
-                <a14:hiddenLine xmlns:a14="http://schemas.microsoft.com/office/drawing/2010/main" xmlns="" w="9525">
+                <a14:hiddenLine xmlns="" xmlns:a14="http://schemas.microsoft.com/office/drawing/2010/main" w="9525">
                   <a:solidFill>
                     <a:srgbClr val="000000"/>
                   </a:solidFill>
@@ -2445,7 +2446,7 @@
             </a:ln>
             <a:extLst>
               <a:ext uri="{91240B29-F687-4f45-9708-019B960494DF}">
-                <a14:hiddenLine xmlns:a14="http://schemas.microsoft.com/office/drawing/2010/main" xmlns="" w="9525">
+                <a14:hiddenLine xmlns="" xmlns:a14="http://schemas.microsoft.com/office/drawing/2010/main" w="9525">
                   <a:solidFill>
                     <a:srgbClr val="000000"/>
                   </a:solidFill>
@@ -2507,7 +2508,7 @@
             </a:ln>
             <a:extLst>
               <a:ext uri="{91240B29-F687-4f45-9708-019B960494DF}">
-                <a14:hiddenLine xmlns:a14="http://schemas.microsoft.com/office/drawing/2010/main" xmlns="" w="9525">
+                <a14:hiddenLine xmlns="" xmlns:a14="http://schemas.microsoft.com/office/drawing/2010/main" w="9525">
                   <a:solidFill>
                     <a:srgbClr val="000000"/>
                   </a:solidFill>
@@ -2569,7 +2570,7 @@
             </a:ln>
             <a:extLst>
               <a:ext uri="{91240B29-F687-4f45-9708-019B960494DF}">
-                <a14:hiddenLine xmlns:a14="http://schemas.microsoft.com/office/drawing/2010/main" xmlns="" w="9525">
+                <a14:hiddenLine xmlns="" xmlns:a14="http://schemas.microsoft.com/office/drawing/2010/main" w="9525">
                   <a:solidFill>
                     <a:srgbClr val="000000"/>
                   </a:solidFill>
@@ -2659,7 +2660,7 @@
             </a:ln>
             <a:extLst>
               <a:ext uri="{91240B29-F687-4f45-9708-019B960494DF}">
-                <a14:hiddenLine xmlns:a14="http://schemas.microsoft.com/office/drawing/2010/main" xmlns="" w="9525">
+                <a14:hiddenLine xmlns="" xmlns:a14="http://schemas.microsoft.com/office/drawing/2010/main" w="9525">
                   <a:solidFill>
                     <a:srgbClr val="000000"/>
                   </a:solidFill>
@@ -2727,7 +2728,7 @@
             </a:ln>
             <a:extLst>
               <a:ext uri="{91240B29-F687-4f45-9708-019B960494DF}">
-                <a14:hiddenLine xmlns:a14="http://schemas.microsoft.com/office/drawing/2010/main" xmlns="" w="9525">
+                <a14:hiddenLine xmlns="" xmlns:a14="http://schemas.microsoft.com/office/drawing/2010/main" w="9525">
                   <a:solidFill>
                     <a:srgbClr val="000000"/>
                   </a:solidFill>
@@ -2789,7 +2790,7 @@
             </a:ln>
             <a:extLst>
               <a:ext uri="{91240B29-F687-4f45-9708-019B960494DF}">
-                <a14:hiddenLine xmlns:a14="http://schemas.microsoft.com/office/drawing/2010/main" xmlns="" w="9525">
+                <a14:hiddenLine xmlns="" xmlns:a14="http://schemas.microsoft.com/office/drawing/2010/main" w="9525">
                   <a:solidFill>
                     <a:srgbClr val="000000"/>
                   </a:solidFill>
@@ -2879,7 +2880,7 @@
             </a:ln>
             <a:extLst>
               <a:ext uri="{91240B29-F687-4f45-9708-019B960494DF}">
-                <a14:hiddenLine xmlns:a14="http://schemas.microsoft.com/office/drawing/2010/main" xmlns="" w="9525">
+                <a14:hiddenLine xmlns="" xmlns:a14="http://schemas.microsoft.com/office/drawing/2010/main" w="9525">
                   <a:solidFill>
                     <a:srgbClr val="000000"/>
                   </a:solidFill>
@@ -2941,7 +2942,7 @@
             </a:ln>
             <a:extLst>
               <a:ext uri="{91240B29-F687-4f45-9708-019B960494DF}">
-                <a14:hiddenLine xmlns:a14="http://schemas.microsoft.com/office/drawing/2010/main" xmlns="" w="9525">
+                <a14:hiddenLine xmlns="" xmlns:a14="http://schemas.microsoft.com/office/drawing/2010/main" w="9525">
                   <a:solidFill>
                     <a:srgbClr val="000000"/>
                   </a:solidFill>
@@ -3031,7 +3032,7 @@
             </a:ln>
             <a:extLst>
               <a:ext uri="{91240B29-F687-4f45-9708-019B960494DF}">
-                <a14:hiddenLine xmlns:a14="http://schemas.microsoft.com/office/drawing/2010/main" xmlns="" w="9525">
+                <a14:hiddenLine xmlns="" xmlns:a14="http://schemas.microsoft.com/office/drawing/2010/main" w="9525">
                   <a:solidFill>
                     <a:srgbClr val="000000"/>
                   </a:solidFill>
@@ -3093,7 +3094,7 @@
             </a:ln>
             <a:extLst>
               <a:ext uri="{91240B29-F687-4f45-9708-019B960494DF}">
-                <a14:hiddenLine xmlns:a14="http://schemas.microsoft.com/office/drawing/2010/main" xmlns="" w="9525">
+                <a14:hiddenLine xmlns="" xmlns:a14="http://schemas.microsoft.com/office/drawing/2010/main" w="9525">
                   <a:solidFill>
                     <a:srgbClr val="000000"/>
                   </a:solidFill>
@@ -3183,7 +3184,7 @@
             </a:ln>
             <a:extLst>
               <a:ext uri="{91240B29-F687-4f45-9708-019B960494DF}">
-                <a14:hiddenLine xmlns:a14="http://schemas.microsoft.com/office/drawing/2010/main" xmlns="" w="9525">
+                <a14:hiddenLine xmlns="" xmlns:a14="http://schemas.microsoft.com/office/drawing/2010/main" w="9525">
                   <a:solidFill>
                     <a:srgbClr val="000000"/>
                   </a:solidFill>
@@ -3217,7 +3218,7 @@
             </a:ln>
             <a:extLst>
               <a:ext uri="{91240B29-F687-4f45-9708-019B960494DF}">
-                <a14:hiddenLine xmlns:a14="http://schemas.microsoft.com/office/drawing/2010/main" xmlns="" w="9525">
+                <a14:hiddenLine xmlns="" xmlns:a14="http://schemas.microsoft.com/office/drawing/2010/main" w="9525">
                   <a:solidFill>
                     <a:srgbClr val="000000"/>
                   </a:solidFill>
@@ -3282,7 +3283,7 @@
             </a:ln>
             <a:extLst>
               <a:ext uri="{91240B29-F687-4f45-9708-019B960494DF}">
-                <a14:hiddenLine xmlns:a14="http://schemas.microsoft.com/office/drawing/2010/main" xmlns="" w="9525">
+                <a14:hiddenLine xmlns="" xmlns:a14="http://schemas.microsoft.com/office/drawing/2010/main" w="9525">
                   <a:solidFill>
                     <a:srgbClr val="000000"/>
                   </a:solidFill>
@@ -3372,7 +3373,7 @@
             </a:ln>
             <a:extLst>
               <a:ext uri="{91240B29-F687-4f45-9708-019B960494DF}">
-                <a14:hiddenLine xmlns:a14="http://schemas.microsoft.com/office/drawing/2010/main" xmlns="" w="9525">
+                <a14:hiddenLine xmlns="" xmlns:a14="http://schemas.microsoft.com/office/drawing/2010/main" w="9525">
                   <a:solidFill>
                     <a:srgbClr val="000000"/>
                   </a:solidFill>
@@ -3434,7 +3435,7 @@
             </a:ln>
             <a:extLst>
               <a:ext uri="{91240B29-F687-4f45-9708-019B960494DF}">
-                <a14:hiddenLine xmlns:a14="http://schemas.microsoft.com/office/drawing/2010/main" xmlns="" w="9525">
+                <a14:hiddenLine xmlns="" xmlns:a14="http://schemas.microsoft.com/office/drawing/2010/main" w="9525">
                   <a:solidFill>
                     <a:srgbClr val="000000"/>
                   </a:solidFill>
@@ -3524,7 +3525,7 @@
             </a:ln>
             <a:extLst>
               <a:ext uri="{91240B29-F687-4f45-9708-019B960494DF}">
-                <a14:hiddenLine xmlns:a14="http://schemas.microsoft.com/office/drawing/2010/main" xmlns="" w="9525">
+                <a14:hiddenLine xmlns="" xmlns:a14="http://schemas.microsoft.com/office/drawing/2010/main" w="9525">
                   <a:solidFill>
                     <a:srgbClr val="000000"/>
                   </a:solidFill>
@@ -3614,7 +3615,7 @@
             </a:ln>
             <a:extLst>
               <a:ext uri="{91240B29-F687-4f45-9708-019B960494DF}">
-                <a14:hiddenLine xmlns:a14="http://schemas.microsoft.com/office/drawing/2010/main" xmlns="" w="9525">
+                <a14:hiddenLine xmlns="" xmlns:a14="http://schemas.microsoft.com/office/drawing/2010/main" w="9525">
                   <a:solidFill>
                     <a:srgbClr val="000000"/>
                   </a:solidFill>
@@ -3679,7 +3680,7 @@
             </a:ln>
             <a:extLst>
               <a:ext uri="{91240B29-F687-4f45-9708-019B960494DF}">
-                <a14:hiddenLine xmlns:a14="http://schemas.microsoft.com/office/drawing/2010/main" xmlns="" w="9525">
+                <a14:hiddenLine xmlns="" xmlns:a14="http://schemas.microsoft.com/office/drawing/2010/main" w="9525">
                   <a:solidFill>
                     <a:srgbClr val="000000"/>
                   </a:solidFill>
@@ -3741,7 +3742,7 @@
             </a:ln>
             <a:extLst>
               <a:ext uri="{91240B29-F687-4f45-9708-019B960494DF}">
-                <a14:hiddenLine xmlns:a14="http://schemas.microsoft.com/office/drawing/2010/main" xmlns="" w="9525">
+                <a14:hiddenLine xmlns="" xmlns:a14="http://schemas.microsoft.com/office/drawing/2010/main" w="9525">
                   <a:solidFill>
                     <a:srgbClr val="000000"/>
                   </a:solidFill>
@@ -3831,7 +3832,7 @@
             </a:ln>
             <a:extLst>
               <a:ext uri="{91240B29-F687-4f45-9708-019B960494DF}">
-                <a14:hiddenLine xmlns:a14="http://schemas.microsoft.com/office/drawing/2010/main" xmlns="" w="9525">
+                <a14:hiddenLine xmlns="" xmlns:a14="http://schemas.microsoft.com/office/drawing/2010/main" w="9525">
                   <a:solidFill>
                     <a:srgbClr val="000000"/>
                   </a:solidFill>
@@ -3921,7 +3922,7 @@
             </a:ln>
             <a:extLst>
               <a:ext uri="{91240B29-F687-4f45-9708-019B960494DF}">
-                <a14:hiddenLine xmlns:a14="http://schemas.microsoft.com/office/drawing/2010/main" xmlns="" w="9525">
+                <a14:hiddenLine xmlns="" xmlns:a14="http://schemas.microsoft.com/office/drawing/2010/main" w="9525">
                   <a:solidFill>
                     <a:srgbClr val="000000"/>
                   </a:solidFill>
@@ -3983,7 +3984,7 @@
             </a:ln>
             <a:extLst>
               <a:ext uri="{91240B29-F687-4f45-9708-019B960494DF}">
-                <a14:hiddenLine xmlns:a14="http://schemas.microsoft.com/office/drawing/2010/main" xmlns="" w="9525">
+                <a14:hiddenLine xmlns="" xmlns:a14="http://schemas.microsoft.com/office/drawing/2010/main" w="9525">
                   <a:solidFill>
                     <a:srgbClr val="000000"/>
                   </a:solidFill>
@@ -4103,7 +4104,7 @@
             </a:ln>
             <a:extLst>
               <a:ext uri="{91240B29-F687-4f45-9708-019B960494DF}">
-                <a14:hiddenLine xmlns:a14="http://schemas.microsoft.com/office/drawing/2010/main" xmlns="" w="9525">
+                <a14:hiddenLine xmlns="" xmlns:a14="http://schemas.microsoft.com/office/drawing/2010/main" w="9525">
                   <a:solidFill>
                     <a:srgbClr val="000000"/>
                   </a:solidFill>
@@ -4171,7 +4172,7 @@
             </a:ln>
             <a:extLst>
               <a:ext uri="{91240B29-F687-4f45-9708-019B960494DF}">
-                <a14:hiddenLine xmlns:a14="http://schemas.microsoft.com/office/drawing/2010/main" xmlns="" w="9525">
+                <a14:hiddenLine xmlns="" xmlns:a14="http://schemas.microsoft.com/office/drawing/2010/main" w="9525">
                   <a:solidFill>
                     <a:srgbClr val="000000"/>
                   </a:solidFill>
@@ -4261,7 +4262,7 @@
             </a:ln>
             <a:extLst>
               <a:ext uri="{91240B29-F687-4f45-9708-019B960494DF}">
-                <a14:hiddenLine xmlns:a14="http://schemas.microsoft.com/office/drawing/2010/main" xmlns="" w="9525">
+                <a14:hiddenLine xmlns="" xmlns:a14="http://schemas.microsoft.com/office/drawing/2010/main" w="9525">
                   <a:solidFill>
                     <a:srgbClr val="000000"/>
                   </a:solidFill>
@@ -4401,7 +4402,7 @@
           <a:p>
             <a:fld id="{48A87A34-81AB-432B-8DAE-1953F412C126}" type="datetimeFigureOut">
               <a:rPr lang="en-US" dirty="0"/>
-              <a:t>11/11/2022</a:t>
+              <a:t>11/23/2022</a:t>
             </a:fld>
             <a:endParaRPr lang="en-US" dirty="0"/>
           </a:p>
@@ -4663,7 +4664,7 @@
           <a:p>
             <a:fld id="{48A87A34-81AB-432B-8DAE-1953F412C126}" type="datetimeFigureOut">
               <a:rPr lang="en-US" dirty="0"/>
-              <a:t>11/11/2022</a:t>
+              <a:t>11/23/2022</a:t>
             </a:fld>
             <a:endParaRPr lang="en-US" dirty="0"/>
           </a:p>
@@ -4854,7 +4855,7 @@
           <a:p>
             <a:fld id="{48A87A34-81AB-432B-8DAE-1953F412C126}" type="datetimeFigureOut">
               <a:rPr lang="en-US" dirty="0"/>
-              <a:t>11/11/2022</a:t>
+              <a:t>11/23/2022</a:t>
             </a:fld>
             <a:endParaRPr lang="en-US" dirty="0"/>
           </a:p>
@@ -5112,7 +5113,7 @@
           <a:p>
             <a:fld id="{48A87A34-81AB-432B-8DAE-1953F412C126}" type="datetimeFigureOut">
               <a:rPr lang="en-US" dirty="0"/>
-              <a:t>11/11/2022</a:t>
+              <a:t>11/23/2022</a:t>
             </a:fld>
             <a:endParaRPr lang="en-US" dirty="0"/>
           </a:p>
@@ -5541,7 +5542,7 @@
           <a:p>
             <a:fld id="{48A87A34-81AB-432B-8DAE-1953F412C126}" type="datetimeFigureOut">
               <a:rPr lang="en-US" dirty="0"/>
-              <a:t>11/11/2022</a:t>
+              <a:t>11/23/2022</a:t>
             </a:fld>
             <a:endParaRPr lang="en-US" dirty="0"/>
           </a:p>
@@ -6082,7 +6083,7 @@
           <a:p>
             <a:fld id="{48A87A34-81AB-432B-8DAE-1953F412C126}" type="datetimeFigureOut">
               <a:rPr lang="en-US" dirty="0"/>
-              <a:t>11/11/2022</a:t>
+              <a:t>11/23/2022</a:t>
             </a:fld>
             <a:endParaRPr lang="en-US" dirty="0"/>
           </a:p>
@@ -6797,7 +6798,7 @@
           <a:p>
             <a:fld id="{48A87A34-81AB-432B-8DAE-1953F412C126}" type="datetimeFigureOut">
               <a:rPr lang="en-US" dirty="0"/>
-              <a:t>11/11/2022</a:t>
+              <a:t>11/23/2022</a:t>
             </a:fld>
             <a:endParaRPr lang="en-US" dirty="0"/>
           </a:p>
@@ -6962,7 +6963,7 @@
           <a:p>
             <a:fld id="{48A87A34-81AB-432B-8DAE-1953F412C126}" type="datetimeFigureOut">
               <a:rPr lang="en-US" dirty="0"/>
-              <a:t>11/11/2022</a:t>
+              <a:t>11/23/2022</a:t>
             </a:fld>
             <a:endParaRPr lang="en-US" dirty="0"/>
           </a:p>
@@ -7137,7 +7138,7 @@
           <a:p>
             <a:fld id="{48A87A34-81AB-432B-8DAE-1953F412C126}" type="datetimeFigureOut">
               <a:rPr lang="en-US" dirty="0"/>
-              <a:t>11/11/2022</a:t>
+              <a:t>11/23/2022</a:t>
             </a:fld>
             <a:endParaRPr lang="en-US" dirty="0"/>
           </a:p>
@@ -7302,7 +7303,7 @@
           <a:p>
             <a:fld id="{48A87A34-81AB-432B-8DAE-1953F412C126}" type="datetimeFigureOut">
               <a:rPr lang="en-US" dirty="0"/>
-              <a:t>11/11/2022</a:t>
+              <a:t>11/23/2022</a:t>
             </a:fld>
             <a:endParaRPr lang="en-US" dirty="0"/>
           </a:p>
@@ -7547,7 +7548,7 @@
           <a:p>
             <a:fld id="{48A87A34-81AB-432B-8DAE-1953F412C126}" type="datetimeFigureOut">
               <a:rPr lang="en-US" dirty="0"/>
-              <a:t>11/11/2022</a:t>
+              <a:t>11/23/2022</a:t>
             </a:fld>
             <a:endParaRPr lang="en-US" dirty="0"/>
           </a:p>
@@ -7774,7 +7775,7 @@
           <a:p>
             <a:fld id="{48A87A34-81AB-432B-8DAE-1953F412C126}" type="datetimeFigureOut">
               <a:rPr lang="en-US" dirty="0"/>
-              <a:t>11/11/2022</a:t>
+              <a:t>11/23/2022</a:t>
             </a:fld>
             <a:endParaRPr lang="en-US" dirty="0"/>
           </a:p>
@@ -8150,7 +8151,7 @@
           <a:p>
             <a:fld id="{48A87A34-81AB-432B-8DAE-1953F412C126}" type="datetimeFigureOut">
               <a:rPr lang="en-US" dirty="0"/>
-              <a:t>11/11/2022</a:t>
+              <a:t>11/23/2022</a:t>
             </a:fld>
             <a:endParaRPr lang="en-US" dirty="0"/>
           </a:p>
@@ -8263,7 +8264,7 @@
           <a:p>
             <a:fld id="{48A87A34-81AB-432B-8DAE-1953F412C126}" type="datetimeFigureOut">
               <a:rPr lang="en-US" dirty="0"/>
-              <a:t>11/11/2022</a:t>
+              <a:t>11/23/2022</a:t>
             </a:fld>
             <a:endParaRPr lang="en-US" dirty="0"/>
           </a:p>
@@ -8353,7 +8354,7 @@
           <a:p>
             <a:fld id="{48A87A34-81AB-432B-8DAE-1953F412C126}" type="datetimeFigureOut">
               <a:rPr lang="en-US" dirty="0"/>
-              <a:t>11/11/2022</a:t>
+              <a:t>11/23/2022</a:t>
             </a:fld>
             <a:endParaRPr lang="en-US" dirty="0"/>
           </a:p>
@@ -8597,7 +8598,7 @@
           <a:p>
             <a:fld id="{48A87A34-81AB-432B-8DAE-1953F412C126}" type="datetimeFigureOut">
               <a:rPr lang="en-US" dirty="0"/>
-              <a:t>11/11/2022</a:t>
+              <a:t>11/23/2022</a:t>
             </a:fld>
             <a:endParaRPr lang="en-US" dirty="0"/>
           </a:p>
@@ -8872,7 +8873,7 @@
           <a:p>
             <a:fld id="{48A87A34-81AB-432B-8DAE-1953F412C126}" type="datetimeFigureOut">
               <a:rPr lang="en-US" dirty="0"/>
-              <a:t>11/11/2022</a:t>
+              <a:t>11/23/2022</a:t>
             </a:fld>
             <a:endParaRPr lang="en-US" dirty="0"/>
           </a:p>
@@ -8983,7 +8984,7 @@
           <a:noFill/>
           <a:extLst>
             <a:ext uri="{909E8E84-426E-40dd-AFC4-6F175D3DCCD1}">
-              <a14:hiddenFill xmlns:a14="http://schemas.microsoft.com/office/drawing/2010/main" xmlns="">
+              <a14:hiddenFill xmlns="" xmlns:a14="http://schemas.microsoft.com/office/drawing/2010/main">
                 <a:solidFill>
                   <a:srgbClr val="FFFFFF"/>
                 </a:solidFill>
@@ -9057,7 +9058,7 @@
               </a:ln>
               <a:extLst>
                 <a:ext uri="{91240B29-F687-4f45-9708-019B960494DF}">
-                  <a14:hiddenLine xmlns:a14="http://schemas.microsoft.com/office/drawing/2010/main" xmlns="" w="9525">
+                  <a14:hiddenLine xmlns="" xmlns:a14="http://schemas.microsoft.com/office/drawing/2010/main" w="9525">
                     <a:solidFill>
                       <a:srgbClr val="000000"/>
                     </a:solidFill>
@@ -9147,7 +9148,7 @@
               </a:ln>
               <a:extLst>
                 <a:ext uri="{91240B29-F687-4f45-9708-019B960494DF}">
-                  <a14:hiddenLine xmlns:a14="http://schemas.microsoft.com/office/drawing/2010/main" xmlns="" w="9525">
+                  <a14:hiddenLine xmlns="" xmlns:a14="http://schemas.microsoft.com/office/drawing/2010/main" w="9525">
                     <a:solidFill>
                       <a:srgbClr val="000000"/>
                     </a:solidFill>
@@ -9237,7 +9238,7 @@
               </a:ln>
               <a:extLst>
                 <a:ext uri="{91240B29-F687-4f45-9708-019B960494DF}">
-                  <a14:hiddenLine xmlns:a14="http://schemas.microsoft.com/office/drawing/2010/main" xmlns="" w="9525">
+                  <a14:hiddenLine xmlns="" xmlns:a14="http://schemas.microsoft.com/office/drawing/2010/main" w="9525">
                     <a:solidFill>
                       <a:srgbClr val="000000"/>
                     </a:solidFill>
@@ -9299,7 +9300,7 @@
               </a:ln>
               <a:extLst>
                 <a:ext uri="{91240B29-F687-4f45-9708-019B960494DF}">
-                  <a14:hiddenLine xmlns:a14="http://schemas.microsoft.com/office/drawing/2010/main" xmlns="" w="9525">
+                  <a14:hiddenLine xmlns="" xmlns:a14="http://schemas.microsoft.com/office/drawing/2010/main" w="9525">
                     <a:solidFill>
                       <a:srgbClr val="000000"/>
                     </a:solidFill>
@@ -9389,7 +9390,7 @@
               </a:ln>
               <a:extLst>
                 <a:ext uri="{91240B29-F687-4f45-9708-019B960494DF}">
-                  <a14:hiddenLine xmlns:a14="http://schemas.microsoft.com/office/drawing/2010/main" xmlns="" w="9525">
+                  <a14:hiddenLine xmlns="" xmlns:a14="http://schemas.microsoft.com/office/drawing/2010/main" w="9525">
                     <a:solidFill>
                       <a:srgbClr val="000000"/>
                     </a:solidFill>
@@ -9451,7 +9452,7 @@
               </a:ln>
               <a:extLst>
                 <a:ext uri="{91240B29-F687-4f45-9708-019B960494DF}">
-                  <a14:hiddenLine xmlns:a14="http://schemas.microsoft.com/office/drawing/2010/main" xmlns="" w="9525">
+                  <a14:hiddenLine xmlns="" xmlns:a14="http://schemas.microsoft.com/office/drawing/2010/main" w="9525">
                     <a:solidFill>
                       <a:srgbClr val="000000"/>
                     </a:solidFill>
@@ -9513,7 +9514,7 @@
               </a:ln>
               <a:extLst>
                 <a:ext uri="{91240B29-F687-4f45-9708-019B960494DF}">
-                  <a14:hiddenLine xmlns:a14="http://schemas.microsoft.com/office/drawing/2010/main" xmlns="" w="9525">
+                  <a14:hiddenLine xmlns="" xmlns:a14="http://schemas.microsoft.com/office/drawing/2010/main" w="9525">
                     <a:solidFill>
                       <a:srgbClr val="000000"/>
                     </a:solidFill>
@@ -9603,7 +9604,7 @@
               </a:ln>
               <a:extLst>
                 <a:ext uri="{91240B29-F687-4f45-9708-019B960494DF}">
-                  <a14:hiddenLine xmlns:a14="http://schemas.microsoft.com/office/drawing/2010/main" xmlns="" w="9525">
+                  <a14:hiddenLine xmlns="" xmlns:a14="http://schemas.microsoft.com/office/drawing/2010/main" w="9525">
                     <a:solidFill>
                       <a:srgbClr val="000000"/>
                     </a:solidFill>
@@ -9693,7 +9694,7 @@
               </a:ln>
               <a:extLst>
                 <a:ext uri="{91240B29-F687-4f45-9708-019B960494DF}">
-                  <a14:hiddenLine xmlns:a14="http://schemas.microsoft.com/office/drawing/2010/main" xmlns="" w="9525">
+                  <a14:hiddenLine xmlns="" xmlns:a14="http://schemas.microsoft.com/office/drawing/2010/main" w="9525">
                     <a:solidFill>
                       <a:srgbClr val="000000"/>
                     </a:solidFill>
@@ -9755,7 +9756,7 @@
               </a:ln>
               <a:extLst>
                 <a:ext uri="{91240B29-F687-4f45-9708-019B960494DF}">
-                  <a14:hiddenLine xmlns:a14="http://schemas.microsoft.com/office/drawing/2010/main" xmlns="" w="9525">
+                  <a14:hiddenLine xmlns="" xmlns:a14="http://schemas.microsoft.com/office/drawing/2010/main" w="9525">
                     <a:solidFill>
                       <a:srgbClr val="000000"/>
                     </a:solidFill>
@@ -9865,7 +9866,7 @@
               </a:ln>
               <a:extLst>
                 <a:ext uri="{91240B29-F687-4f45-9708-019B960494DF}">
-                  <a14:hiddenLine xmlns:a14="http://schemas.microsoft.com/office/drawing/2010/main" xmlns="" w="9525">
+                  <a14:hiddenLine xmlns="" xmlns:a14="http://schemas.microsoft.com/office/drawing/2010/main" w="9525">
                     <a:solidFill>
                       <a:srgbClr val="000000"/>
                     </a:solidFill>
@@ -9949,7 +9950,7 @@
               </a:ln>
               <a:extLst>
                 <a:ext uri="{91240B29-F687-4f45-9708-019B960494DF}">
-                  <a14:hiddenLine xmlns:a14="http://schemas.microsoft.com/office/drawing/2010/main" xmlns="" w="9525">
+                  <a14:hiddenLine xmlns="" xmlns:a14="http://schemas.microsoft.com/office/drawing/2010/main" w="9525">
                     <a:solidFill>
                       <a:srgbClr val="000000"/>
                     </a:solidFill>
@@ -10011,7 +10012,7 @@
               </a:ln>
               <a:extLst>
                 <a:ext uri="{91240B29-F687-4f45-9708-019B960494DF}">
-                  <a14:hiddenLine xmlns:a14="http://schemas.microsoft.com/office/drawing/2010/main" xmlns="" w="9525">
+                  <a14:hiddenLine xmlns="" xmlns:a14="http://schemas.microsoft.com/office/drawing/2010/main" w="9525">
                     <a:solidFill>
                       <a:srgbClr val="000000"/>
                     </a:solidFill>
@@ -10073,7 +10074,7 @@
               </a:ln>
               <a:extLst>
                 <a:ext uri="{91240B29-F687-4f45-9708-019B960494DF}">
-                  <a14:hiddenLine xmlns:a14="http://schemas.microsoft.com/office/drawing/2010/main" xmlns="" w="9525">
+                  <a14:hiddenLine xmlns="" xmlns:a14="http://schemas.microsoft.com/office/drawing/2010/main" w="9525">
                     <a:solidFill>
                       <a:srgbClr val="000000"/>
                     </a:solidFill>
@@ -10163,7 +10164,7 @@
               </a:ln>
               <a:extLst>
                 <a:ext uri="{91240B29-F687-4f45-9708-019B960494DF}">
-                  <a14:hiddenLine xmlns:a14="http://schemas.microsoft.com/office/drawing/2010/main" xmlns="" w="9525">
+                  <a14:hiddenLine xmlns="" xmlns:a14="http://schemas.microsoft.com/office/drawing/2010/main" w="9525">
                     <a:solidFill>
                       <a:srgbClr val="000000"/>
                     </a:solidFill>
@@ -10197,7 +10198,7 @@
               </a:ln>
               <a:extLst>
                 <a:ext uri="{91240B29-F687-4f45-9708-019B960494DF}">
-                  <a14:hiddenLine xmlns:a14="http://schemas.microsoft.com/office/drawing/2010/main" xmlns="" w="9525">
+                  <a14:hiddenLine xmlns="" xmlns:a14="http://schemas.microsoft.com/office/drawing/2010/main" w="9525">
                     <a:solidFill>
                       <a:srgbClr val="000000"/>
                     </a:solidFill>
@@ -10262,7 +10263,7 @@
               </a:ln>
               <a:extLst>
                 <a:ext uri="{91240B29-F687-4f45-9708-019B960494DF}">
-                  <a14:hiddenLine xmlns:a14="http://schemas.microsoft.com/office/drawing/2010/main" xmlns="" w="9525">
+                  <a14:hiddenLine xmlns="" xmlns:a14="http://schemas.microsoft.com/office/drawing/2010/main" w="9525">
                     <a:solidFill>
                       <a:srgbClr val="000000"/>
                     </a:solidFill>
@@ -10352,7 +10353,7 @@
               </a:ln>
               <a:extLst>
                 <a:ext uri="{91240B29-F687-4f45-9708-019B960494DF}">
-                  <a14:hiddenLine xmlns:a14="http://schemas.microsoft.com/office/drawing/2010/main" xmlns="" w="9525">
+                  <a14:hiddenLine xmlns="" xmlns:a14="http://schemas.microsoft.com/office/drawing/2010/main" w="9525">
                     <a:solidFill>
                       <a:srgbClr val="000000"/>
                     </a:solidFill>
@@ -10414,7 +10415,7 @@
               </a:ln>
               <a:extLst>
                 <a:ext uri="{91240B29-F687-4f45-9708-019B960494DF}">
-                  <a14:hiddenLine xmlns:a14="http://schemas.microsoft.com/office/drawing/2010/main" xmlns="" w="9525">
+                  <a14:hiddenLine xmlns="" xmlns:a14="http://schemas.microsoft.com/office/drawing/2010/main" w="9525">
                     <a:solidFill>
                       <a:srgbClr val="000000"/>
                     </a:solidFill>
@@ -10504,7 +10505,7 @@
               </a:ln>
               <a:extLst>
                 <a:ext uri="{91240B29-F687-4f45-9708-019B960494DF}">
-                  <a14:hiddenLine xmlns:a14="http://schemas.microsoft.com/office/drawing/2010/main" xmlns="" w="9525">
+                  <a14:hiddenLine xmlns="" xmlns:a14="http://schemas.microsoft.com/office/drawing/2010/main" w="9525">
                     <a:solidFill>
                       <a:srgbClr val="000000"/>
                     </a:solidFill>
@@ -10569,7 +10570,7 @@
               </a:ln>
               <a:extLst>
                 <a:ext uri="{91240B29-F687-4f45-9708-019B960494DF}">
-                  <a14:hiddenLine xmlns:a14="http://schemas.microsoft.com/office/drawing/2010/main" xmlns="" w="9525">
+                  <a14:hiddenLine xmlns="" xmlns:a14="http://schemas.microsoft.com/office/drawing/2010/main" w="9525">
                     <a:solidFill>
                       <a:srgbClr val="000000"/>
                     </a:solidFill>
@@ -10631,7 +10632,7 @@
               </a:ln>
               <a:extLst>
                 <a:ext uri="{91240B29-F687-4f45-9708-019B960494DF}">
-                  <a14:hiddenLine xmlns:a14="http://schemas.microsoft.com/office/drawing/2010/main" xmlns="" w="9525">
+                  <a14:hiddenLine xmlns="" xmlns:a14="http://schemas.microsoft.com/office/drawing/2010/main" w="9525">
                     <a:solidFill>
                       <a:srgbClr val="000000"/>
                     </a:solidFill>
@@ -10721,7 +10722,7 @@
               </a:ln>
               <a:extLst>
                 <a:ext uri="{91240B29-F687-4f45-9708-019B960494DF}">
-                  <a14:hiddenLine xmlns:a14="http://schemas.microsoft.com/office/drawing/2010/main" xmlns="" w="9525">
+                  <a14:hiddenLine xmlns="" xmlns:a14="http://schemas.microsoft.com/office/drawing/2010/main" w="9525">
                     <a:solidFill>
                       <a:srgbClr val="000000"/>
                     </a:solidFill>
@@ -10811,7 +10812,7 @@
               </a:ln>
               <a:extLst>
                 <a:ext uri="{91240B29-F687-4f45-9708-019B960494DF}">
-                  <a14:hiddenLine xmlns:a14="http://schemas.microsoft.com/office/drawing/2010/main" xmlns="" w="9525">
+                  <a14:hiddenLine xmlns="" xmlns:a14="http://schemas.microsoft.com/office/drawing/2010/main" w="9525">
                     <a:solidFill>
                       <a:srgbClr val="000000"/>
                     </a:solidFill>
@@ -10876,7 +10877,7 @@
               </a:ln>
               <a:extLst>
                 <a:ext uri="{91240B29-F687-4f45-9708-019B960494DF}">
-                  <a14:hiddenLine xmlns:a14="http://schemas.microsoft.com/office/drawing/2010/main" xmlns="" w="9525">
+                  <a14:hiddenLine xmlns="" xmlns:a14="http://schemas.microsoft.com/office/drawing/2010/main" w="9525">
                     <a:solidFill>
                       <a:srgbClr val="000000"/>
                     </a:solidFill>
@@ -10996,7 +10997,7 @@
               </a:ln>
               <a:extLst>
                 <a:ext uri="{91240B29-F687-4f45-9708-019B960494DF}">
-                  <a14:hiddenLine xmlns:a14="http://schemas.microsoft.com/office/drawing/2010/main" xmlns="" w="9525">
+                  <a14:hiddenLine xmlns="" xmlns:a14="http://schemas.microsoft.com/office/drawing/2010/main" w="9525">
                     <a:solidFill>
                       <a:srgbClr val="000000"/>
                     </a:solidFill>
@@ -11094,7 +11095,7 @@
               </a:ln>
               <a:extLst>
                 <a:ext uri="{91240B29-F687-4f45-9708-019B960494DF}">
-                  <a14:hiddenLine xmlns:a14="http://schemas.microsoft.com/office/drawing/2010/main" xmlns="" w="9525">
+                  <a14:hiddenLine xmlns="" xmlns:a14="http://schemas.microsoft.com/office/drawing/2010/main" w="9525">
                     <a:solidFill>
                       <a:srgbClr val="000000"/>
                     </a:solidFill>
@@ -11209,7 +11210,7 @@
               </a:ln>
               <a:extLst>
                 <a:ext uri="{91240B29-F687-4f45-9708-019B960494DF}">
-                  <a14:hiddenLine xmlns:a14="http://schemas.microsoft.com/office/drawing/2010/main" xmlns="" w="9525">
+                  <a14:hiddenLine xmlns="" xmlns:a14="http://schemas.microsoft.com/office/drawing/2010/main" w="9525">
                     <a:solidFill>
                       <a:srgbClr val="000000"/>
                     </a:solidFill>
@@ -11299,7 +11300,7 @@
               </a:ln>
               <a:extLst>
                 <a:ext uri="{91240B29-F687-4f45-9708-019B960494DF}">
-                  <a14:hiddenLine xmlns:a14="http://schemas.microsoft.com/office/drawing/2010/main" xmlns="" w="9525">
+                  <a14:hiddenLine xmlns="" xmlns:a14="http://schemas.microsoft.com/office/drawing/2010/main" w="9525">
                     <a:solidFill>
                       <a:srgbClr val="000000"/>
                     </a:solidFill>
@@ -11364,7 +11365,7 @@
               </a:ln>
               <a:extLst>
                 <a:ext uri="{91240B29-F687-4f45-9708-019B960494DF}">
-                  <a14:hiddenLine xmlns:a14="http://schemas.microsoft.com/office/drawing/2010/main" xmlns="" w="9525">
+                  <a14:hiddenLine xmlns="" xmlns:a14="http://schemas.microsoft.com/office/drawing/2010/main" w="9525">
                     <a:solidFill>
                       <a:srgbClr val="000000"/>
                     </a:solidFill>
@@ -11454,7 +11455,7 @@
               </a:ln>
               <a:extLst>
                 <a:ext uri="{91240B29-F687-4f45-9708-019B960494DF}">
-                  <a14:hiddenLine xmlns:a14="http://schemas.microsoft.com/office/drawing/2010/main" xmlns="" w="9525">
+                  <a14:hiddenLine xmlns="" xmlns:a14="http://schemas.microsoft.com/office/drawing/2010/main" w="9525">
                     <a:solidFill>
                       <a:srgbClr val="000000"/>
                     </a:solidFill>
@@ -11522,7 +11523,7 @@
               </a:ln>
               <a:extLst>
                 <a:ext uri="{91240B29-F687-4f45-9708-019B960494DF}">
-                  <a14:hiddenLine xmlns:a14="http://schemas.microsoft.com/office/drawing/2010/main" xmlns="" w="9525">
+                  <a14:hiddenLine xmlns="" xmlns:a14="http://schemas.microsoft.com/office/drawing/2010/main" w="9525">
                     <a:solidFill>
                       <a:srgbClr val="000000"/>
                     </a:solidFill>
@@ -11612,7 +11613,7 @@
               </a:ln>
               <a:extLst>
                 <a:ext uri="{91240B29-F687-4f45-9708-019B960494DF}">
-                  <a14:hiddenLine xmlns:a14="http://schemas.microsoft.com/office/drawing/2010/main" xmlns="" w="9525">
+                  <a14:hiddenLine xmlns="" xmlns:a14="http://schemas.microsoft.com/office/drawing/2010/main" w="9525">
                     <a:solidFill>
                       <a:srgbClr val="000000"/>
                     </a:solidFill>
@@ -11680,7 +11681,7 @@
               </a:ln>
               <a:extLst>
                 <a:ext uri="{91240B29-F687-4f45-9708-019B960494DF}">
-                  <a14:hiddenLine xmlns:a14="http://schemas.microsoft.com/office/drawing/2010/main" xmlns="" w="9525">
+                  <a14:hiddenLine xmlns="" xmlns:a14="http://schemas.microsoft.com/office/drawing/2010/main" w="9525">
                     <a:solidFill>
                       <a:srgbClr val="000000"/>
                     </a:solidFill>
@@ -11770,7 +11771,7 @@
               </a:ln>
               <a:extLst>
                 <a:ext uri="{91240B29-F687-4f45-9708-019B960494DF}">
-                  <a14:hiddenLine xmlns:a14="http://schemas.microsoft.com/office/drawing/2010/main" xmlns="" w="9525">
+                  <a14:hiddenLine xmlns="" xmlns:a14="http://schemas.microsoft.com/office/drawing/2010/main" w="9525">
                     <a:solidFill>
                       <a:srgbClr val="000000"/>
                     </a:solidFill>
@@ -11804,7 +11805,7 @@
               </a:ln>
               <a:extLst>
                 <a:ext uri="{91240B29-F687-4f45-9708-019B960494DF}">
-                  <a14:hiddenLine xmlns:a14="http://schemas.microsoft.com/office/drawing/2010/main" xmlns="" w="9525">
+                  <a14:hiddenLine xmlns="" xmlns:a14="http://schemas.microsoft.com/office/drawing/2010/main" w="9525">
                     <a:solidFill>
                       <a:srgbClr val="000000"/>
                     </a:solidFill>
@@ -11945,7 +11946,7 @@
             <a:fld id="{48A87A34-81AB-432B-8DAE-1953F412C126}" type="datetimeFigureOut">
               <a:rPr lang="en-US" dirty="0"/>
               <a:pPr/>
-              <a:t>11/11/2022</a:t>
+              <a:t>11/23/2022</a:t>
             </a:fld>
             <a:endParaRPr lang="en-US" dirty="0"/>
           </a:p>
@@ -14188,6 +14189,119 @@
 </p:sld>
 </file>
 
+<file path=ppt/slides/slide15.xml><?xml version="1.0" encoding="utf-8"?>
+<p:sld xmlns:a="http://schemas.openxmlformats.org/drawingml/2006/main" xmlns:r="http://schemas.openxmlformats.org/officeDocument/2006/relationships" xmlns:p="http://schemas.openxmlformats.org/presentationml/2006/main" showMasterSp="0">
+  <p:cSld>
+    <p:bg>
+      <p:bgPr>
+        <a:solidFill>
+          <a:schemeClr val="bg1"/>
+        </a:solidFill>
+        <a:effectLst/>
+      </p:bgPr>
+    </p:bg>
+    <p:spTree>
+      <p:nvGrpSpPr>
+        <p:cNvPr id="1" name=""/>
+        <p:cNvGrpSpPr/>
+        <p:nvPr/>
+      </p:nvGrpSpPr>
+      <p:grpSpPr>
+        <a:xfrm>
+          <a:off x="0" y="0"/>
+          <a:ext cx="0" cy="0"/>
+          <a:chOff x="0" y="0"/>
+          <a:chExt cx="0" cy="0"/>
+        </a:xfrm>
+      </p:grpSpPr>
+      <p:pic>
+        <p:nvPicPr>
+          <p:cNvPr id="5" name="Picture 4">
+            <a:extLst>
+              <a:ext uri="{FF2B5EF4-FFF2-40B4-BE49-F238E27FC236}">
+                <a16:creationId xmlns:a16="http://schemas.microsoft.com/office/drawing/2014/main" id="{7C756CC7-7618-85D0-E572-5691825EC5DE}"/>
+              </a:ext>
+            </a:extLst>
+          </p:cNvPr>
+          <p:cNvPicPr>
+            <a:picLocks noChangeAspect="1"/>
+          </p:cNvPicPr>
+          <p:nvPr/>
+        </p:nvPicPr>
+        <p:blipFill>
+          <a:blip r:embed="rId2"/>
+          <a:stretch>
+            <a:fillRect/>
+          </a:stretch>
+        </p:blipFill>
+        <p:spPr>
+          <a:xfrm>
+            <a:off x="926202" y="650147"/>
+            <a:ext cx="10373152" cy="4232246"/>
+          </a:xfrm>
+          <a:prstGeom prst="rect">
+            <a:avLst/>
+          </a:prstGeom>
+        </p:spPr>
+      </p:pic>
+      <p:sp>
+        <p:nvSpPr>
+          <p:cNvPr id="6" name="TextBox 5">
+            <a:extLst>
+              <a:ext uri="{FF2B5EF4-FFF2-40B4-BE49-F238E27FC236}">
+                <a16:creationId xmlns:a16="http://schemas.microsoft.com/office/drawing/2014/main" id="{681A9874-C97A-6BE0-D21F-CFD47FAF99E1}"/>
+              </a:ext>
+            </a:extLst>
+          </p:cNvPr>
+          <p:cNvSpPr txBox="1"/>
+          <p:nvPr/>
+        </p:nvSpPr>
+        <p:spPr>
+          <a:xfrm flipH="1">
+            <a:off x="0" y="5394121"/>
+            <a:ext cx="12192000" cy="1077218"/>
+          </a:xfrm>
+          <a:prstGeom prst="rect">
+            <a:avLst/>
+          </a:prstGeom>
+          <a:noFill/>
+        </p:spPr>
+        <p:txBody>
+          <a:bodyPr wrap="square" rtlCol="0">
+            <a:spAutoFit/>
+          </a:bodyPr>
+          <a:lstStyle/>
+          <a:p>
+            <a:pPr algn="ctr"/>
+            <a:r>
+              <a:rPr lang="en-IN" sz="2400" dirty="0"/>
+              <a:t>Presentation Over</a:t>
+            </a:r>
+          </a:p>
+          <a:p>
+            <a:pPr algn="ctr"/>
+            <a:r>
+              <a:rPr lang="en-IN" sz="4000" dirty="0">
+                <a:latin typeface="Arial Black" panose="020B0A04020102020204" pitchFamily="34" charset="0"/>
+              </a:rPr>
+              <a:t>ANY QUESTIONS ?</a:t>
+            </a:r>
+          </a:p>
+        </p:txBody>
+      </p:sp>
+    </p:spTree>
+    <p:extLst>
+      <p:ext uri="{BB962C8B-B14F-4D97-AF65-F5344CB8AC3E}">
+        <p14:creationId xmlns:p14="http://schemas.microsoft.com/office/powerpoint/2010/main" val="3842066334"/>
+      </p:ext>
+    </p:extLst>
+  </p:cSld>
+  <p:clrMapOvr>
+    <a:masterClrMapping/>
+  </p:clrMapOvr>
+</p:sld>
+</file>
+
 <file path=ppt/slides/slide2.xml><?xml version="1.0" encoding="utf-8"?>
 <p:sld xmlns:a="http://schemas.openxmlformats.org/drawingml/2006/main" xmlns:r="http://schemas.openxmlformats.org/officeDocument/2006/relationships" xmlns:p="http://schemas.openxmlformats.org/presentationml/2006/main">
   <p:cSld>
@@ -16238,56 +16352,33 @@
             <p:ph type="title"/>
           </p:nvPr>
         </p:nvSpPr>
-        <p:spPr/>
+        <p:spPr>
+          <a:xfrm>
+            <a:off x="1074301" y="2606709"/>
+            <a:ext cx="9905998" cy="1478570"/>
+          </a:xfrm>
+          <a:ln>
+            <a:noFill/>
+          </a:ln>
+        </p:spPr>
         <p:txBody>
           <a:bodyPr/>
           <a:lstStyle/>
           <a:p>
+            <a:pPr algn="ctr"/>
             <a:r>
-              <a:rPr lang="en-IN" dirty="0" err="1"/>
+              <a:rPr lang="en-IN" dirty="0" err="1">
+                <a:hlinkClick r:id="rId2" action="ppaction://hlinkpres?slideindex=1&amp;slidetitle=">
+                  <a:extLst>
+                    <a:ext uri="{A12FA001-AC4F-418D-AE19-62706E023703}">
+                      <ahyp:hlinkClr xmlns:ahyp="http://schemas.microsoft.com/office/drawing/2018/hyperlinkcolor" val="tx"/>
+                    </a:ext>
+                  </a:extLst>
+                </a:hlinkClick>
+              </a:rPr>
               <a:t>Dfd</a:t>
             </a:r>
             <a:endParaRPr lang="en-IN" dirty="0"/>
-          </a:p>
-        </p:txBody>
-      </p:sp>
-      <p:sp>
-        <p:nvSpPr>
-          <p:cNvPr id="3" name="Content Placeholder 2">
-            <a:extLst>
-              <a:ext uri="{FF2B5EF4-FFF2-40B4-BE49-F238E27FC236}">
-                <a16:creationId xmlns:a16="http://schemas.microsoft.com/office/drawing/2014/main" id="{A0F7B400-DC3A-C671-E22D-508D58361D2A}"/>
-              </a:ext>
-            </a:extLst>
-          </p:cNvPr>
-          <p:cNvSpPr>
-            <a:spLocks noGrp="1"/>
-          </p:cNvSpPr>
-          <p:nvPr>
-            <p:ph idx="1"/>
-          </p:nvPr>
-        </p:nvSpPr>
-        <p:spPr/>
-        <p:txBody>
-          <a:bodyPr/>
-          <a:lstStyle/>
-          <a:p>
-            <a:r>
-              <a:rPr lang="en-IN" dirty="0"/>
-              <a:t>Sorry Still working on it </a:t>
-            </a:r>
-          </a:p>
-          <a:p>
-            <a:endParaRPr lang="en-IN" dirty="0"/>
-          </a:p>
-          <a:p>
-            <a:endParaRPr lang="en-IN" dirty="0"/>
-          </a:p>
-          <a:p>
-            <a:r>
-              <a:rPr lang="en-IN" dirty="0"/>
-              <a:t>I mean the data is flowing right ? Otherwise how could it work. But the flow hasn’t been captured yet to draw a diagram </a:t>
-            </a:r>
           </a:p>
         </p:txBody>
       </p:sp>
@@ -16301,158 +16392,6 @@
   <p:clrMapOvr>
     <a:masterClrMapping/>
   </p:clrMapOvr>
-  <p:timing>
-    <p:tnLst>
-      <p:par>
-        <p:cTn id="1" dur="indefinite" restart="never" nodeType="tmRoot">
-          <p:childTnLst>
-            <p:seq concurrent="1" nextAc="seek">
-              <p:cTn id="2" dur="indefinite" nodeType="mainSeq">
-                <p:childTnLst>
-                  <p:par>
-                    <p:cTn id="3" fill="hold">
-                      <p:stCondLst>
-                        <p:cond delay="indefinite"/>
-                      </p:stCondLst>
-                      <p:childTnLst>
-                        <p:par>
-                          <p:cTn id="4" fill="hold">
-                            <p:stCondLst>
-                              <p:cond delay="0"/>
-                            </p:stCondLst>
-                            <p:childTnLst>
-                              <p:par>
-                                <p:cTn id="5" presetID="16" presetClass="entr" presetSubtype="21" fill="hold" nodeType="clickEffect">
-                                  <p:stCondLst>
-                                    <p:cond delay="0"/>
-                                  </p:stCondLst>
-                                  <p:childTnLst>
-                                    <p:set>
-                                      <p:cBhvr>
-                                        <p:cTn id="6" dur="1" fill="hold">
-                                          <p:stCondLst>
-                                            <p:cond delay="0"/>
-                                          </p:stCondLst>
-                                        </p:cTn>
-                                        <p:tgtEl>
-                                          <p:spTgt spid="3">
-                                            <p:txEl>
-                                              <p:pRg st="0" end="0"/>
-                                            </p:txEl>
-                                          </p:spTgt>
-                                        </p:tgtEl>
-                                        <p:attrNameLst>
-                                          <p:attrName>style.visibility</p:attrName>
-                                        </p:attrNameLst>
-                                      </p:cBhvr>
-                                      <p:to>
-                                        <p:strVal val="visible"/>
-                                      </p:to>
-                                    </p:set>
-                                    <p:animEffect transition="in" filter="barn(inVertical)">
-                                      <p:cBhvr>
-                                        <p:cTn id="7" dur="1000"/>
-                                        <p:tgtEl>
-                                          <p:spTgt spid="3">
-                                            <p:txEl>
-                                              <p:pRg st="0" end="0"/>
-                                            </p:txEl>
-                                          </p:spTgt>
-                                        </p:tgtEl>
-                                      </p:cBhvr>
-                                    </p:animEffect>
-                                  </p:childTnLst>
-                                </p:cTn>
-                              </p:par>
-                            </p:childTnLst>
-                          </p:cTn>
-                        </p:par>
-                      </p:childTnLst>
-                    </p:cTn>
-                  </p:par>
-                  <p:par>
-                    <p:cTn id="8" fill="hold">
-                      <p:stCondLst>
-                        <p:cond delay="indefinite"/>
-                      </p:stCondLst>
-                      <p:childTnLst>
-                        <p:par>
-                          <p:cTn id="9" fill="hold">
-                            <p:stCondLst>
-                              <p:cond delay="0"/>
-                            </p:stCondLst>
-                            <p:childTnLst>
-                              <p:par>
-                                <p:cTn id="10" presetID="10" presetClass="entr" presetSubtype="0" fill="hold" nodeType="clickEffect">
-                                  <p:stCondLst>
-                                    <p:cond delay="0"/>
-                                  </p:stCondLst>
-                                  <p:childTnLst>
-                                    <p:set>
-                                      <p:cBhvr>
-                                        <p:cTn id="11" dur="1" fill="hold">
-                                          <p:stCondLst>
-                                            <p:cond delay="0"/>
-                                          </p:stCondLst>
-                                        </p:cTn>
-                                        <p:tgtEl>
-                                          <p:spTgt spid="3">
-                                            <p:txEl>
-                                              <p:pRg st="3" end="3"/>
-                                            </p:txEl>
-                                          </p:spTgt>
-                                        </p:tgtEl>
-                                        <p:attrNameLst>
-                                          <p:attrName>style.visibility</p:attrName>
-                                        </p:attrNameLst>
-                                      </p:cBhvr>
-                                      <p:to>
-                                        <p:strVal val="visible"/>
-                                      </p:to>
-                                    </p:set>
-                                    <p:animEffect transition="in" filter="fade">
-                                      <p:cBhvr>
-                                        <p:cTn id="12" dur="2000"/>
-                                        <p:tgtEl>
-                                          <p:spTgt spid="3">
-                                            <p:txEl>
-                                              <p:pRg st="3" end="3"/>
-                                            </p:txEl>
-                                          </p:spTgt>
-                                        </p:tgtEl>
-                                      </p:cBhvr>
-                                    </p:animEffect>
-                                  </p:childTnLst>
-                                </p:cTn>
-                              </p:par>
-                            </p:childTnLst>
-                          </p:cTn>
-                        </p:par>
-                      </p:childTnLst>
-                    </p:cTn>
-                  </p:par>
-                </p:childTnLst>
-              </p:cTn>
-              <p:prevCondLst>
-                <p:cond evt="onPrev" delay="0">
-                  <p:tgtEl>
-                    <p:sldTgt/>
-                  </p:tgtEl>
-                </p:cond>
-              </p:prevCondLst>
-              <p:nextCondLst>
-                <p:cond evt="onNext" delay="0">
-                  <p:tgtEl>
-                    <p:sldTgt/>
-                  </p:tgtEl>
-                </p:cond>
-              </p:nextCondLst>
-            </p:seq>
-          </p:childTnLst>
-        </p:cTn>
-      </p:par>
-    </p:tnLst>
-  </p:timing>
 </p:sld>
 </file>
 
